--- a/ML House Hunters.pptx
+++ b/ML House Hunters.pptx
@@ -14752,8 +14752,16 @@
           </a:bodyPr>
           <a:lstStyle/>
           <a:p>
+            <a:pPr>
+              <a:buClr>
+                <a:schemeClr val="tx1"/>
+              </a:buClr>
+            </a:pPr>
             <a:r>
               <a:rPr lang="en-US" dirty="0" err="1">
+                <a:solidFill>
+                  <a:srgbClr val="0070C0"/>
+                </a:solidFill>
                 <a:latin typeface="Consolas" panose="020B0609020204030204" pitchFamily="49" charset="0"/>
               </a:rPr>
               <a:t>ZipCode</a:t>
@@ -14788,11 +14796,25 @@
             </a:r>
           </a:p>
           <a:p>
+            <a:pPr>
+              <a:buClr>
+                <a:schemeClr val="tx1"/>
+              </a:buClr>
+            </a:pPr>
+            <a:r>
+              <a:rPr lang="en-US" dirty="0">
+                <a:solidFill>
+                  <a:srgbClr val="0070C0"/>
+                </a:solidFill>
+                <a:latin typeface="Consolas" panose="020B0609020204030204" pitchFamily="49" charset="0"/>
+              </a:rPr>
+              <a:t>Household</a:t>
+            </a:r>
             <a:r>
               <a:rPr lang="en-US" dirty="0">
                 <a:latin typeface="Consolas" panose="020B0609020204030204" pitchFamily="49" charset="0"/>
               </a:rPr>
-              <a:t>Household </a:t>
+              <a:t> </a:t>
             </a:r>
             <a:r>
               <a:rPr lang="en-US" i="1" dirty="0">
@@ -14812,10 +14834,29 @@
               </a:rPr>
               <a:t>)</a:t>
             </a:r>
-          </a:p>
-          <a:p>
+            <a:r>
+              <a:rPr lang="en-US" i="1" dirty="0">
+                <a:solidFill>
+                  <a:srgbClr val="191B0E"/>
+                </a:solidFill>
+              </a:rPr>
+              <a:t>: Total number of households, a group of people residing within a home unit, for a block </a:t>
+            </a:r>
+            <a:endParaRPr lang="en-US" i="1" dirty="0">
+              <a:latin typeface="Consolas" panose="020B0609020204030204" pitchFamily="49" charset="0"/>
+            </a:endParaRPr>
+          </a:p>
+          <a:p>
+            <a:pPr>
+              <a:buClr>
+                <a:schemeClr val="tx1"/>
+              </a:buClr>
+            </a:pPr>
             <a:r>
               <a:rPr lang="en-US" dirty="0" err="1">
+                <a:solidFill>
+                  <a:srgbClr val="0070C0"/>
+                </a:solidFill>
                 <a:latin typeface="Consolas" panose="020B0609020204030204" pitchFamily="49" charset="0"/>
               </a:rPr>
               <a:t>TotalRooms</a:t>
@@ -14844,10 +14885,29 @@
               </a:rPr>
               <a:t>)</a:t>
             </a:r>
-          </a:p>
-          <a:p>
+            <a:r>
+              <a:rPr lang="en-US" i="1" dirty="0">
+                <a:solidFill>
+                  <a:srgbClr val="191B0E"/>
+                </a:solidFill>
+              </a:rPr>
+              <a:t>: Total number of rooms within a block</a:t>
+            </a:r>
+            <a:endParaRPr lang="en-US" i="1" dirty="0">
+              <a:latin typeface="Consolas" panose="020B0609020204030204" pitchFamily="49" charset="0"/>
+            </a:endParaRPr>
+          </a:p>
+          <a:p>
+            <a:pPr>
+              <a:buClr>
+                <a:schemeClr val="tx1"/>
+              </a:buClr>
+            </a:pPr>
             <a:r>
               <a:rPr lang="en-US" dirty="0" err="1">
+                <a:solidFill>
+                  <a:srgbClr val="0070C0"/>
+                </a:solidFill>
                 <a:latin typeface="Consolas" panose="020B0609020204030204" pitchFamily="49" charset="0"/>
               </a:rPr>
               <a:t>TotalBedrms</a:t>
@@ -14876,16 +14936,38 @@
               </a:rPr>
               <a:t>)</a:t>
             </a:r>
-          </a:p>
-          <a:p>
+            <a:r>
+              <a:rPr lang="en-US" i="1" dirty="0">
+                <a:solidFill>
+                  <a:srgbClr val="191B0E"/>
+                </a:solidFill>
+              </a:rPr>
+              <a:t>: Total number of bedrooms within a block</a:t>
+            </a:r>
+            <a:endParaRPr lang="en-US" i="1" dirty="0">
+              <a:latin typeface="Consolas" panose="020B0609020204030204" pitchFamily="49" charset="0"/>
+            </a:endParaRPr>
+          </a:p>
+          <a:p>
+            <a:pPr>
+              <a:buClr>
+                <a:schemeClr val="tx1"/>
+              </a:buClr>
+            </a:pPr>
             <a:r>
               <a:rPr lang="en-US" dirty="0" err="1">
+                <a:solidFill>
+                  <a:srgbClr val="0070C0"/>
+                </a:solidFill>
                 <a:latin typeface="Consolas" panose="020B0609020204030204" pitchFamily="49" charset="0"/>
               </a:rPr>
               <a:t>TR_Pop</a:t>
             </a:r>
             <a:r>
               <a:rPr lang="en-US" dirty="0">
+                <a:solidFill>
+                  <a:srgbClr val="0070C0"/>
+                </a:solidFill>
                 <a:latin typeface="Consolas" panose="020B0609020204030204" pitchFamily="49" charset="0"/>
               </a:rPr>
               <a:t> </a:t>
@@ -14910,18 +14992,29 @@
             </a:r>
             <a:r>
               <a:rPr lang="en-US" i="1" dirty="0"/>
-              <a:t>: proxy for population density in a block</a:t>
-            </a:r>
-          </a:p>
-          <a:p>
+              <a:t>: Proxy for population density in a block</a:t>
+            </a:r>
+          </a:p>
+          <a:p>
+            <a:pPr>
+              <a:buClr>
+                <a:schemeClr val="tx1"/>
+              </a:buClr>
+            </a:pPr>
             <a:r>
               <a:rPr lang="en-US" dirty="0" err="1">
+                <a:solidFill>
+                  <a:srgbClr val="0070C0"/>
+                </a:solidFill>
                 <a:latin typeface="Consolas" panose="020B0609020204030204" pitchFamily="49" charset="0"/>
               </a:rPr>
               <a:t>BR_Pop</a:t>
             </a:r>
             <a:r>
               <a:rPr lang="en-US" dirty="0">
+                <a:solidFill>
+                  <a:srgbClr val="0070C0"/>
+                </a:solidFill>
                 <a:latin typeface="Consolas" panose="020B0609020204030204" pitchFamily="49" charset="0"/>
               </a:rPr>
               <a:t> </a:t>
@@ -15241,7 +15334,37 @@
             </a:r>
             <a:r>
               <a:rPr lang="en-US" dirty="0"/>
-              <a:t> (11 bins, 0 to 100, based on percentile distribution of the column)</a:t>
+              <a:t> (</a:t>
+            </a:r>
+            <a:r>
+              <a:rPr lang="en-US" dirty="0">
+                <a:latin typeface="Consolas" panose="020B0609020204030204" pitchFamily="49" charset="0"/>
+              </a:rPr>
+              <a:t>11</a:t>
+            </a:r>
+            <a:r>
+              <a:rPr lang="en-US" dirty="0"/>
+              <a:t> bins, </a:t>
+            </a:r>
+            <a:r>
+              <a:rPr lang="en-US" dirty="0">
+                <a:latin typeface="Consolas" panose="020B0609020204030204" pitchFamily="49" charset="0"/>
+              </a:rPr>
+              <a:t>0</a:t>
+            </a:r>
+            <a:r>
+              <a:rPr lang="en-US" dirty="0"/>
+              <a:t> to </a:t>
+            </a:r>
+            <a:r>
+              <a:rPr lang="en-US" dirty="0">
+                <a:latin typeface="Consolas" panose="020B0609020204030204" pitchFamily="49" charset="0"/>
+              </a:rPr>
+              <a:t>100</a:t>
+            </a:r>
+            <a:r>
+              <a:rPr lang="en-US" dirty="0"/>
+              <a:t>, based on percentile distribution of the column)</a:t>
             </a:r>
           </a:p>
           <a:p>
@@ -15279,7 +15402,33 @@
           <a:p>
             <a:r>
               <a:rPr lang="en-US" dirty="0"/>
-              <a:t>Discarded square, cube, and log10</a:t>
+              <a:t>Discarded </a:t>
+            </a:r>
+            <a:r>
+              <a:rPr lang="en-US" dirty="0">
+                <a:latin typeface="Consolas" panose="020B0609020204030204" pitchFamily="49" charset="0"/>
+              </a:rPr>
+              <a:t>square</a:t>
+            </a:r>
+            <a:r>
+              <a:rPr lang="en-US" dirty="0"/>
+              <a:t>, </a:t>
+            </a:r>
+            <a:r>
+              <a:rPr lang="en-US" dirty="0">
+                <a:latin typeface="Consolas" panose="020B0609020204030204" pitchFamily="49" charset="0"/>
+              </a:rPr>
+              <a:t>cube</a:t>
+            </a:r>
+            <a:r>
+              <a:rPr lang="en-US" dirty="0"/>
+              <a:t>, and </a:t>
+            </a:r>
+            <a:r>
+              <a:rPr lang="en-US" dirty="0">
+                <a:latin typeface="Consolas" panose="020B0609020204030204" pitchFamily="49" charset="0"/>
+              </a:rPr>
+              <a:t>log10</a:t>
             </a:r>
           </a:p>
         </p:txBody>
@@ -16586,7 +16735,9 @@
         </p:nvSpPr>
         <p:spPr/>
         <p:txBody>
-          <a:bodyPr/>
+          <a:bodyPr>
+            <a:normAutofit lnSpcReduction="10000"/>
+          </a:bodyPr>
           <a:lstStyle/>
           <a:p>
             <a:pPr>
@@ -16609,7 +16760,7 @@
             </a:r>
             <a:r>
               <a:rPr lang="en-US" i="1" dirty="0"/>
-              <a:t>(median income in block)</a:t>
+              <a:t>(Median income for households within a block of houses)</a:t>
             </a:r>
           </a:p>
           <a:p>
@@ -16633,7 +16784,7 @@
             </a:r>
             <a:r>
               <a:rPr lang="en-US" i="1" dirty="0"/>
-              <a:t>(median house age in block)</a:t>
+              <a:t>(Median age of a house within a block; a lower number is a newer building)</a:t>
             </a:r>
           </a:p>
           <a:p>
@@ -16657,7 +16808,7 @@
             </a:r>
             <a:r>
               <a:rPr lang="en-US" i="1" dirty="0"/>
-              <a:t>(average number of rooms per household in block)</a:t>
+              <a:t>(Average number of rooms within a block)</a:t>
             </a:r>
           </a:p>
           <a:p>
@@ -16681,7 +16832,7 @@
             </a:r>
             <a:r>
               <a:rPr lang="en-US" i="1" dirty="0"/>
-              <a:t>(average number of bedrooms per household in block)</a:t>
+              <a:t>(Average number of bedrooms within a block)</a:t>
             </a:r>
           </a:p>
           <a:p>
@@ -16705,7 +16856,7 @@
             </a:r>
             <a:r>
               <a:rPr lang="en-US" i="1" dirty="0"/>
-              <a:t>(block population)</a:t>
+              <a:t>(Total number of people residing within a block)</a:t>
             </a:r>
           </a:p>
           <a:p>
@@ -16753,7 +16904,7 @@
             </a:r>
             <a:r>
               <a:rPr lang="en-US" i="1" dirty="0"/>
-              <a:t>(house block latitude)</a:t>
+              <a:t>(A measure of how far north a house is; a higher value is farther north)</a:t>
             </a:r>
           </a:p>
           <a:p>
@@ -16777,7 +16928,7 @@
             </a:r>
             <a:r>
               <a:rPr lang="en-US" i="1" dirty="0"/>
-              <a:t>(house block longitude)</a:t>
+              <a:t>(A measure of how far west a house is; a higher value is farther west)</a:t>
             </a:r>
           </a:p>
         </p:txBody>

--- a/ML House Hunters.pptx
+++ b/ML House Hunters.pptx
@@ -16155,10 +16155,10 @@
       </p:sp>
       <p:pic>
         <p:nvPicPr>
-          <p:cNvPr id="8" name="Content Placeholder 7">
+          <p:cNvPr id="7" name="Content Placeholder 6">
             <a:extLst>
               <a:ext uri="{FF2B5EF4-FFF2-40B4-BE49-F238E27FC236}">
-                <a16:creationId xmlns:a16="http://schemas.microsoft.com/office/drawing/2014/main" id="{CC49FFB3-39BD-4710-8BEE-FA460CEE14C6}"/>
+                <a16:creationId xmlns:a16="http://schemas.microsoft.com/office/drawing/2014/main" id="{00F9829C-F63E-41CB-A4ED-3E662490D4DB}"/>
               </a:ext>
             </a:extLst>
           </p:cNvPr>
@@ -16177,8 +16177,8 @@
         </p:blipFill>
         <p:spPr>
           <a:xfrm>
-            <a:off x="2123945" y="1504950"/>
-            <a:ext cx="6134913" cy="5029200"/>
+            <a:off x="3055331" y="1424186"/>
+            <a:ext cx="6233737" cy="5029200"/>
           </a:xfrm>
           <a:prstGeom prst="rect">
             <a:avLst/>
@@ -16336,10 +16336,10 @@
       </p:sp>
       <p:pic>
         <p:nvPicPr>
-          <p:cNvPr id="7" name="Content Placeholder 6">
+          <p:cNvPr id="8" name="Content Placeholder 7">
             <a:extLst>
               <a:ext uri="{FF2B5EF4-FFF2-40B4-BE49-F238E27FC236}">
-                <a16:creationId xmlns:a16="http://schemas.microsoft.com/office/drawing/2014/main" id="{FFACBEBF-B878-4C18-8646-828199B8FC93}"/>
+                <a16:creationId xmlns:a16="http://schemas.microsoft.com/office/drawing/2014/main" id="{2BA68230-EB14-4019-8C1E-5E396BF909FA}"/>
               </a:ext>
             </a:extLst>
           </p:cNvPr>
@@ -16358,8 +16358,8 @@
         </p:blipFill>
         <p:spPr>
           <a:xfrm>
-            <a:off x="2152284" y="1488956"/>
-            <a:ext cx="6192940" cy="5029200"/>
+            <a:off x="2954676" y="1424186"/>
+            <a:ext cx="6282647" cy="5029200"/>
           </a:xfrm>
           <a:prstGeom prst="rect">
             <a:avLst/>
